--- a/Images/素材編輯.pptx
+++ b/Images/素材編輯.pptx
@@ -9,6 +9,8 @@
     <p:sldId id="258" r:id="rId6"/>
     <p:sldId id="259" r:id="rId7"/>
     <p:sldId id="260" r:id="rId8"/>
+    <p:sldId id="261" r:id="rId9"/>
+    <p:sldId id="262" r:id="rId10"/>
   </p:sldIdLst>
   <p:sldSz cx="12192000" cy="6858000"/>
   <p:notesSz cx="6858000" cy="9144000"/>
@@ -262,7 +264,7 @@
           <a:p>
             <a:fld id="{276F047B-86DA-43F3-825D-A44A57E02123}" type="datetimeFigureOut">
               <a:rPr lang="zh-TW" altLang="en-US" smtClean="0"/>
-              <a:t>2022/11/30</a:t>
+              <a:t>2022/12/1</a:t>
             </a:fld>
             <a:endParaRPr lang="zh-TW" altLang="en-US"/>
           </a:p>
@@ -460,7 +462,7 @@
           <a:p>
             <a:fld id="{276F047B-86DA-43F3-825D-A44A57E02123}" type="datetimeFigureOut">
               <a:rPr lang="zh-TW" altLang="en-US" smtClean="0"/>
-              <a:t>2022/11/30</a:t>
+              <a:t>2022/12/1</a:t>
             </a:fld>
             <a:endParaRPr lang="zh-TW" altLang="en-US"/>
           </a:p>
@@ -668,7 +670,7 @@
           <a:p>
             <a:fld id="{276F047B-86DA-43F3-825D-A44A57E02123}" type="datetimeFigureOut">
               <a:rPr lang="zh-TW" altLang="en-US" smtClean="0"/>
-              <a:t>2022/11/30</a:t>
+              <a:t>2022/12/1</a:t>
             </a:fld>
             <a:endParaRPr lang="zh-TW" altLang="en-US"/>
           </a:p>
@@ -866,7 +868,7 @@
           <a:p>
             <a:fld id="{276F047B-86DA-43F3-825D-A44A57E02123}" type="datetimeFigureOut">
               <a:rPr lang="zh-TW" altLang="en-US" smtClean="0"/>
-              <a:t>2022/11/30</a:t>
+              <a:t>2022/12/1</a:t>
             </a:fld>
             <a:endParaRPr lang="zh-TW" altLang="en-US"/>
           </a:p>
@@ -1141,7 +1143,7 @@
           <a:p>
             <a:fld id="{276F047B-86DA-43F3-825D-A44A57E02123}" type="datetimeFigureOut">
               <a:rPr lang="zh-TW" altLang="en-US" smtClean="0"/>
-              <a:t>2022/11/30</a:t>
+              <a:t>2022/12/1</a:t>
             </a:fld>
             <a:endParaRPr lang="zh-TW" altLang="en-US"/>
           </a:p>
@@ -1406,7 +1408,7 @@
           <a:p>
             <a:fld id="{276F047B-86DA-43F3-825D-A44A57E02123}" type="datetimeFigureOut">
               <a:rPr lang="zh-TW" altLang="en-US" smtClean="0"/>
-              <a:t>2022/11/30</a:t>
+              <a:t>2022/12/1</a:t>
             </a:fld>
             <a:endParaRPr lang="zh-TW" altLang="en-US"/>
           </a:p>
@@ -1818,7 +1820,7 @@
           <a:p>
             <a:fld id="{276F047B-86DA-43F3-825D-A44A57E02123}" type="datetimeFigureOut">
               <a:rPr lang="zh-TW" altLang="en-US" smtClean="0"/>
-              <a:t>2022/11/30</a:t>
+              <a:t>2022/12/1</a:t>
             </a:fld>
             <a:endParaRPr lang="zh-TW" altLang="en-US"/>
           </a:p>
@@ -1959,7 +1961,7 @@
           <a:p>
             <a:fld id="{276F047B-86DA-43F3-825D-A44A57E02123}" type="datetimeFigureOut">
               <a:rPr lang="zh-TW" altLang="en-US" smtClean="0"/>
-              <a:t>2022/11/30</a:t>
+              <a:t>2022/12/1</a:t>
             </a:fld>
             <a:endParaRPr lang="zh-TW" altLang="en-US"/>
           </a:p>
@@ -2072,7 +2074,7 @@
           <a:p>
             <a:fld id="{276F047B-86DA-43F3-825D-A44A57E02123}" type="datetimeFigureOut">
               <a:rPr lang="zh-TW" altLang="en-US" smtClean="0"/>
-              <a:t>2022/11/30</a:t>
+              <a:t>2022/12/1</a:t>
             </a:fld>
             <a:endParaRPr lang="zh-TW" altLang="en-US"/>
           </a:p>
@@ -2383,7 +2385,7 @@
           <a:p>
             <a:fld id="{276F047B-86DA-43F3-825D-A44A57E02123}" type="datetimeFigureOut">
               <a:rPr lang="zh-TW" altLang="en-US" smtClean="0"/>
-              <a:t>2022/11/30</a:t>
+              <a:t>2022/12/1</a:t>
             </a:fld>
             <a:endParaRPr lang="zh-TW" altLang="en-US"/>
           </a:p>
@@ -2671,7 +2673,7 @@
           <a:p>
             <a:fld id="{276F047B-86DA-43F3-825D-A44A57E02123}" type="datetimeFigureOut">
               <a:rPr lang="zh-TW" altLang="en-US" smtClean="0"/>
-              <a:t>2022/11/30</a:t>
+              <a:t>2022/12/1</a:t>
             </a:fld>
             <a:endParaRPr lang="zh-TW" altLang="en-US"/>
           </a:p>
@@ -2912,7 +2914,7 @@
           <a:p>
             <a:fld id="{276F047B-86DA-43F3-825D-A44A57E02123}" type="datetimeFigureOut">
               <a:rPr lang="zh-TW" altLang="en-US" smtClean="0"/>
-              <a:t>2022/11/30</a:t>
+              <a:t>2022/12/1</a:t>
             </a:fld>
             <a:endParaRPr lang="zh-TW" altLang="en-US"/>
           </a:p>
@@ -5193,6 +5195,955 @@
 </p:sld>
 </file>
 
+<file path=ppt/slides/slide5.xml><?xml version="1.0" encoding="utf-8"?>
+<p:sld xmlns:a="http://schemas.openxmlformats.org/drawingml/2006/main" xmlns:r="http://schemas.openxmlformats.org/officeDocument/2006/relationships" xmlns:p="http://schemas.openxmlformats.org/presentationml/2006/main">
+  <p:cSld>
+    <p:spTree>
+      <p:nvGrpSpPr>
+        <p:cNvPr id="1" name=""/>
+        <p:cNvGrpSpPr/>
+        <p:nvPr/>
+      </p:nvGrpSpPr>
+      <p:grpSpPr>
+        <a:xfrm>
+          <a:off x="0" y="0"/>
+          <a:ext cx="0" cy="0"/>
+          <a:chOff x="0" y="0"/>
+          <a:chExt cx="0" cy="0"/>
+        </a:xfrm>
+      </p:grpSpPr>
+      <p:grpSp>
+        <p:nvGrpSpPr>
+          <p:cNvPr id="21" name="群組 20">
+            <a:extLst>
+              <a:ext uri="{FF2B5EF4-FFF2-40B4-BE49-F238E27FC236}">
+                <a16:creationId xmlns:a16="http://schemas.microsoft.com/office/drawing/2014/main" id="{6BE3B498-E015-AC2F-0C01-115D581986B1}"/>
+              </a:ext>
+            </a:extLst>
+          </p:cNvPr>
+          <p:cNvGrpSpPr/>
+          <p:nvPr/>
+        </p:nvGrpSpPr>
+        <p:grpSpPr>
+          <a:xfrm>
+            <a:off x="2600438" y="1239657"/>
+            <a:ext cx="6978282" cy="3892863"/>
+            <a:chOff x="2600438" y="1239657"/>
+            <a:chExt cx="6978282" cy="3892863"/>
+          </a:xfrm>
+        </p:grpSpPr>
+        <p:pic>
+          <p:nvPicPr>
+            <p:cNvPr id="7" name="圖片 6" descr="一張含有 工具​​ 的圖片&#10;&#10;自動產生的描述">
+              <a:extLst>
+                <a:ext uri="{FF2B5EF4-FFF2-40B4-BE49-F238E27FC236}">
+                  <a16:creationId xmlns:a16="http://schemas.microsoft.com/office/drawing/2014/main" id="{A296E6BA-26E6-EE18-DDF7-4A3AF2F70C18}"/>
+                </a:ext>
+              </a:extLst>
+            </p:cNvPr>
+            <p:cNvPicPr>
+              <a:picLocks noChangeAspect="1"/>
+            </p:cNvPicPr>
+            <p:nvPr/>
+          </p:nvPicPr>
+          <p:blipFill>
+            <a:blip r:embed="rId2">
+              <a:extLst>
+                <a:ext uri="{28A0092B-C50C-407E-A947-70E740481C1C}">
+                  <a14:useLocalDpi xmlns:a14="http://schemas.microsoft.com/office/drawing/2010/main" val="0"/>
+                </a:ext>
+              </a:extLst>
+            </a:blip>
+            <a:stretch>
+              <a:fillRect/>
+            </a:stretch>
+          </p:blipFill>
+          <p:spPr>
+            <a:xfrm>
+              <a:off x="2944146" y="1725480"/>
+              <a:ext cx="4492800" cy="3407040"/>
+            </a:xfrm>
+            <a:prstGeom prst="rect">
+              <a:avLst/>
+            </a:prstGeom>
+          </p:spPr>
+        </p:pic>
+        <p:grpSp>
+          <p:nvGrpSpPr>
+            <p:cNvPr id="10" name="群組 9">
+              <a:extLst>
+                <a:ext uri="{FF2B5EF4-FFF2-40B4-BE49-F238E27FC236}">
+                  <a16:creationId xmlns:a16="http://schemas.microsoft.com/office/drawing/2014/main" id="{AC1B76F3-603D-91B9-826C-0C8037BB2258}"/>
+                </a:ext>
+              </a:extLst>
+            </p:cNvPr>
+            <p:cNvGrpSpPr/>
+            <p:nvPr/>
+          </p:nvGrpSpPr>
+          <p:grpSpPr>
+            <a:xfrm>
+              <a:off x="2600438" y="1239657"/>
+              <a:ext cx="6978282" cy="3218367"/>
+              <a:chOff x="2959316" y="834124"/>
+              <a:chExt cx="7032874" cy="2904012"/>
+            </a:xfrm>
+          </p:grpSpPr>
+          <p:grpSp>
+            <p:nvGrpSpPr>
+              <p:cNvPr id="11" name="群組 10">
+                <a:extLst>
+                  <a:ext uri="{FF2B5EF4-FFF2-40B4-BE49-F238E27FC236}">
+                    <a16:creationId xmlns:a16="http://schemas.microsoft.com/office/drawing/2014/main" id="{6B305CA3-9BF3-8291-FD53-7358974B20E0}"/>
+                  </a:ext>
+                </a:extLst>
+              </p:cNvPr>
+              <p:cNvGrpSpPr/>
+              <p:nvPr/>
+            </p:nvGrpSpPr>
+            <p:grpSpPr>
+              <a:xfrm>
+                <a:off x="2959316" y="834124"/>
+                <a:ext cx="7032874" cy="2904012"/>
+                <a:chOff x="2929819" y="834124"/>
+                <a:chExt cx="7032874" cy="2904012"/>
+              </a:xfrm>
+            </p:grpSpPr>
+            <p:grpSp>
+              <p:nvGrpSpPr>
+                <p:cNvPr id="13" name="群組 12">
+                  <a:extLst>
+                    <a:ext uri="{FF2B5EF4-FFF2-40B4-BE49-F238E27FC236}">
+                      <a16:creationId xmlns:a16="http://schemas.microsoft.com/office/drawing/2014/main" id="{17F40A16-E5D5-71C7-4C99-FF3A6D127290}"/>
+                    </a:ext>
+                  </a:extLst>
+                </p:cNvPr>
+                <p:cNvGrpSpPr/>
+                <p:nvPr/>
+              </p:nvGrpSpPr>
+              <p:grpSpPr>
+                <a:xfrm>
+                  <a:off x="2929819" y="834124"/>
+                  <a:ext cx="7032874" cy="2904012"/>
+                  <a:chOff x="2942796" y="834124"/>
+                  <a:chExt cx="7244695" cy="2904012"/>
+                </a:xfrm>
+              </p:grpSpPr>
+              <p:sp>
+                <p:nvSpPr>
+                  <p:cNvPr id="16" name="文字方塊 15">
+                    <a:extLst>
+                      <a:ext uri="{FF2B5EF4-FFF2-40B4-BE49-F238E27FC236}">
+                        <a16:creationId xmlns:a16="http://schemas.microsoft.com/office/drawing/2014/main" id="{F8DC51D1-21B3-C4EA-533A-25C661EDF7DA}"/>
+                      </a:ext>
+                    </a:extLst>
+                  </p:cNvPr>
+                  <p:cNvSpPr txBox="1"/>
+                  <p:nvPr/>
+                </p:nvSpPr>
+                <p:spPr>
+                  <a:xfrm>
+                    <a:off x="2942796" y="834124"/>
+                    <a:ext cx="2420848" cy="623287"/>
+                  </a:xfrm>
+                  <a:prstGeom prst="rect">
+                    <a:avLst/>
+                  </a:prstGeom>
+                  <a:noFill/>
+                </p:spPr>
+                <p:txBody>
+                  <a:bodyPr wrap="square" rtlCol="0">
+                    <a:spAutoFit/>
+                  </a:bodyPr>
+                  <a:lstStyle/>
+                  <a:p>
+                    <a:r>
+                      <a:rPr lang="zh-TW" altLang="en-US" sz="2800" b="1" dirty="0">
+                        <a:solidFill>
+                          <a:srgbClr val="E8F30D"/>
+                        </a:solidFill>
+                        <a:latin typeface="標楷體" panose="03000509000000000000" pitchFamily="65" charset="-120"/>
+                        <a:ea typeface="標楷體" panose="03000509000000000000" pitchFamily="65" charset="-120"/>
+                      </a:rPr>
+                      <a:t>長笛</a:t>
+                    </a:r>
+                    <a:r>
+                      <a:rPr lang="en-US" altLang="zh-TW" sz="2800" b="1" dirty="0">
+                        <a:solidFill>
+                          <a:srgbClr val="E8F30D"/>
+                        </a:solidFill>
+                        <a:latin typeface="French Script MT" panose="03020402040607040605" pitchFamily="66" charset="0"/>
+                      </a:rPr>
+                      <a:t>(Flute)</a:t>
+                    </a:r>
+                    <a:endParaRPr lang="zh-TW" altLang="en-US" sz="2800" b="1" dirty="0">
+                      <a:solidFill>
+                        <a:srgbClr val="E8F30D"/>
+                      </a:solidFill>
+                      <a:latin typeface="French Script MT" panose="03020402040607040605" pitchFamily="66" charset="0"/>
+                    </a:endParaRPr>
+                  </a:p>
+                </p:txBody>
+              </p:sp>
+              <p:sp>
+                <p:nvSpPr>
+                  <p:cNvPr id="17" name="文字方塊 16">
+                    <a:extLst>
+                      <a:ext uri="{FF2B5EF4-FFF2-40B4-BE49-F238E27FC236}">
+                        <a16:creationId xmlns:a16="http://schemas.microsoft.com/office/drawing/2014/main" id="{5C4BB637-F904-0CED-FD5B-3EAF8669900B}"/>
+                      </a:ext>
+                    </a:extLst>
+                  </p:cNvPr>
+                  <p:cNvSpPr txBox="1"/>
+                  <p:nvPr/>
+                </p:nvSpPr>
+                <p:spPr>
+                  <a:xfrm>
+                    <a:off x="2956128" y="2571735"/>
+                    <a:ext cx="1941631" cy="1166401"/>
+                  </a:xfrm>
+                  <a:prstGeom prst="rect">
+                    <a:avLst/>
+                  </a:prstGeom>
+                  <a:noFill/>
+                </p:spPr>
+                <p:txBody>
+                  <a:bodyPr wrap="square" rtlCol="0">
+                    <a:spAutoFit/>
+                  </a:bodyPr>
+                  <a:lstStyle/>
+                  <a:p>
+                    <a:r>
+                      <a:rPr lang="zh-TW" altLang="en-US" sz="2400" b="1" dirty="0">
+                        <a:solidFill>
+                          <a:srgbClr val="0070C0"/>
+                        </a:solidFill>
+                        <a:latin typeface="標楷體" panose="03000509000000000000" pitchFamily="65" charset="-120"/>
+                        <a:ea typeface="標楷體" panose="03000509000000000000" pitchFamily="65" charset="-120"/>
+                      </a:rPr>
+                      <a:t>按鍵</a:t>
+                    </a:r>
+                    <a:endParaRPr lang="en-US" altLang="zh-TW" sz="2400" b="1" dirty="0">
+                      <a:solidFill>
+                        <a:srgbClr val="0070C0"/>
+                      </a:solidFill>
+                      <a:latin typeface="標楷體" panose="03000509000000000000" pitchFamily="65" charset="-120"/>
+                      <a:ea typeface="標楷體" panose="03000509000000000000" pitchFamily="65" charset="-120"/>
+                    </a:endParaRPr>
+                  </a:p>
+                  <a:p>
+                    <a:r>
+                      <a:rPr lang="zh-TW" altLang="en-US" dirty="0">
+                        <a:latin typeface="標楷體" panose="03000509000000000000" pitchFamily="65" charset="-120"/>
+                        <a:ea typeface="標楷體" panose="03000509000000000000" pitchFamily="65" charset="-120"/>
+                      </a:rPr>
+                      <a:t>用以遮覆開在管身上的音孔，按壓便能改變音高</a:t>
+                    </a:r>
+                    <a:endParaRPr lang="en-US" altLang="zh-TW" dirty="0">
+                      <a:latin typeface="標楷體" panose="03000509000000000000" pitchFamily="65" charset="-120"/>
+                      <a:ea typeface="標楷體" panose="03000509000000000000" pitchFamily="65" charset="-120"/>
+                    </a:endParaRPr>
+                  </a:p>
+                </p:txBody>
+              </p:sp>
+              <p:sp>
+                <p:nvSpPr>
+                  <p:cNvPr id="18" name="文字方塊 17">
+                    <a:extLst>
+                      <a:ext uri="{FF2B5EF4-FFF2-40B4-BE49-F238E27FC236}">
+                        <a16:creationId xmlns:a16="http://schemas.microsoft.com/office/drawing/2014/main" id="{D59644C8-AE93-9063-DDE9-EF97C9404B7E}"/>
+                      </a:ext>
+                    </a:extLst>
+                  </p:cNvPr>
+                  <p:cNvSpPr txBox="1"/>
+                  <p:nvPr/>
+                </p:nvSpPr>
+                <p:spPr>
+                  <a:xfrm>
+                    <a:off x="7963950" y="2613161"/>
+                    <a:ext cx="2223541" cy="916458"/>
+                  </a:xfrm>
+                  <a:prstGeom prst="rect">
+                    <a:avLst/>
+                  </a:prstGeom>
+                  <a:noFill/>
+                </p:spPr>
+                <p:txBody>
+                  <a:bodyPr wrap="square" rtlCol="0">
+                    <a:spAutoFit/>
+                  </a:bodyPr>
+                  <a:lstStyle/>
+                  <a:p>
+                    <a:r>
+                      <a:rPr lang="zh-TW" altLang="en-US" sz="2400" b="1" dirty="0">
+                        <a:solidFill>
+                          <a:srgbClr val="0070C0"/>
+                        </a:solidFill>
+                        <a:latin typeface="標楷體" panose="03000509000000000000" pitchFamily="65" charset="-120"/>
+                        <a:ea typeface="標楷體" panose="03000509000000000000" pitchFamily="65" charset="-120"/>
+                      </a:rPr>
+                      <a:t>唇墊</a:t>
+                    </a:r>
+                  </a:p>
+                  <a:p>
+                    <a:r>
+                      <a:rPr lang="zh-TW" altLang="en-US" dirty="0">
+                        <a:latin typeface="標楷體" panose="03000509000000000000" pitchFamily="65" charset="-120"/>
+                        <a:ea typeface="標楷體" panose="03000509000000000000" pitchFamily="65" charset="-120"/>
+                      </a:rPr>
+                      <a:t>下唇抵著中央的開孔，往內吹氣</a:t>
+                    </a:r>
+                    <a:endParaRPr lang="en-US" altLang="zh-TW" dirty="0">
+                      <a:latin typeface="標楷體" panose="03000509000000000000" pitchFamily="65" charset="-120"/>
+                      <a:ea typeface="標楷體" panose="03000509000000000000" pitchFamily="65" charset="-120"/>
+                    </a:endParaRPr>
+                  </a:p>
+                </p:txBody>
+              </p:sp>
+            </p:grpSp>
+            <p:cxnSp>
+              <p:nvCxnSpPr>
+                <p:cNvPr id="14" name="直線單箭頭接點 13">
+                  <a:extLst>
+                    <a:ext uri="{FF2B5EF4-FFF2-40B4-BE49-F238E27FC236}">
+                      <a16:creationId xmlns:a16="http://schemas.microsoft.com/office/drawing/2014/main" id="{4DF48234-11D7-41F1-F86C-EF18A576BC13}"/>
+                    </a:ext>
+                  </a:extLst>
+                </p:cNvPr>
+                <p:cNvCxnSpPr>
+                  <a:cxnSpLocks/>
+                </p:cNvCxnSpPr>
+                <p:nvPr/>
+              </p:nvCxnSpPr>
+              <p:spPr>
+                <a:xfrm flipV="1">
+                  <a:off x="4124070" y="2474709"/>
+                  <a:ext cx="703552" cy="261595"/>
+                </a:xfrm>
+                <a:prstGeom prst="straightConnector1">
+                  <a:avLst/>
+                </a:prstGeom>
+                <a:ln>
+                  <a:tailEnd type="triangle"/>
+                </a:ln>
+              </p:spPr>
+              <p:style>
+                <a:lnRef idx="3">
+                  <a:schemeClr val="accent6"/>
+                </a:lnRef>
+                <a:fillRef idx="0">
+                  <a:schemeClr val="accent6"/>
+                </a:fillRef>
+                <a:effectRef idx="2">
+                  <a:schemeClr val="accent6"/>
+                </a:effectRef>
+                <a:fontRef idx="minor">
+                  <a:schemeClr val="tx1"/>
+                </a:fontRef>
+              </p:style>
+            </p:cxnSp>
+            <p:cxnSp>
+              <p:nvCxnSpPr>
+                <p:cNvPr id="15" name="直線單箭頭接點 14">
+                  <a:extLst>
+                    <a:ext uri="{FF2B5EF4-FFF2-40B4-BE49-F238E27FC236}">
+                      <a16:creationId xmlns:a16="http://schemas.microsoft.com/office/drawing/2014/main" id="{D340FFD2-A254-DB7E-48DC-011E6A5FF35D}"/>
+                    </a:ext>
+                  </a:extLst>
+                </p:cNvPr>
+                <p:cNvCxnSpPr>
+                  <a:cxnSpLocks/>
+                  <a:stCxn id="18" idx="1"/>
+                </p:cNvCxnSpPr>
+                <p:nvPr/>
+              </p:nvCxnSpPr>
+              <p:spPr>
+                <a:xfrm flipH="1">
+                  <a:off x="7182290" y="3071390"/>
+                  <a:ext cx="621873" cy="458228"/>
+                </a:xfrm>
+                <a:prstGeom prst="straightConnector1">
+                  <a:avLst/>
+                </a:prstGeom>
+                <a:ln>
+                  <a:tailEnd type="triangle"/>
+                </a:ln>
+              </p:spPr>
+              <p:style>
+                <a:lnRef idx="3">
+                  <a:schemeClr val="accent6"/>
+                </a:lnRef>
+                <a:fillRef idx="0">
+                  <a:schemeClr val="accent6"/>
+                </a:fillRef>
+                <a:effectRef idx="2">
+                  <a:schemeClr val="accent6"/>
+                </a:effectRef>
+                <a:fontRef idx="minor">
+                  <a:schemeClr val="tx1"/>
+                </a:fontRef>
+              </p:style>
+            </p:cxnSp>
+          </p:grpSp>
+          <p:sp>
+            <p:nvSpPr>
+              <p:cNvPr id="12" name="文字方塊 11">
+                <a:extLst>
+                  <a:ext uri="{FF2B5EF4-FFF2-40B4-BE49-F238E27FC236}">
+                    <a16:creationId xmlns:a16="http://schemas.microsoft.com/office/drawing/2014/main" id="{3BF7AE41-1480-3621-11CD-4E0032E3B5B4}"/>
+                  </a:ext>
+                </a:extLst>
+              </p:cNvPr>
+              <p:cNvSpPr txBox="1"/>
+              <p:nvPr/>
+            </p:nvSpPr>
+            <p:spPr>
+              <a:xfrm>
+                <a:off x="6631583" y="921229"/>
+                <a:ext cx="3199591" cy="1749600"/>
+              </a:xfrm>
+              <a:prstGeom prst="rect">
+                <a:avLst/>
+              </a:prstGeom>
+              <a:noFill/>
+            </p:spPr>
+            <p:txBody>
+              <a:bodyPr wrap="square" rtlCol="0">
+                <a:spAutoFit/>
+              </a:bodyPr>
+              <a:lstStyle/>
+              <a:p>
+                <a:r>
+                  <a:rPr lang="zh-TW" altLang="en-US" sz="2400" b="1" dirty="0">
+                    <a:solidFill>
+                      <a:srgbClr val="CC0000"/>
+                    </a:solidFill>
+                    <a:latin typeface="標楷體" panose="03000509000000000000" pitchFamily="65" charset="-120"/>
+                    <a:ea typeface="標楷體" panose="03000509000000000000" pitchFamily="65" charset="-120"/>
+                  </a:rPr>
+                  <a:t>以前為木製，現在則大多為金屬製，屬於橫笛，發出的聲音高亢清亮，也有許多獨奏曲</a:t>
+                </a:r>
+                <a:endParaRPr lang="zh-TW" altLang="en-US" dirty="0">
+                  <a:solidFill>
+                    <a:srgbClr val="CC0000"/>
+                  </a:solidFill>
+                  <a:latin typeface="標楷體" panose="03000509000000000000" pitchFamily="65" charset="-120"/>
+                  <a:ea typeface="標楷體" panose="03000509000000000000" pitchFamily="65" charset="-120"/>
+                </a:endParaRPr>
+              </a:p>
+            </p:txBody>
+          </p:sp>
+        </p:grpSp>
+      </p:grpSp>
+    </p:spTree>
+    <p:extLst>
+      <p:ext uri="{BB962C8B-B14F-4D97-AF65-F5344CB8AC3E}">
+        <p14:creationId xmlns:p14="http://schemas.microsoft.com/office/powerpoint/2010/main" val="1371652544"/>
+      </p:ext>
+    </p:extLst>
+  </p:cSld>
+  <p:clrMapOvr>
+    <a:masterClrMapping/>
+  </p:clrMapOvr>
+</p:sld>
+</file>
+
+<file path=ppt/slides/slide6.xml><?xml version="1.0" encoding="utf-8"?>
+<p:sld xmlns:a="http://schemas.openxmlformats.org/drawingml/2006/main" xmlns:r="http://schemas.openxmlformats.org/officeDocument/2006/relationships" xmlns:p="http://schemas.openxmlformats.org/presentationml/2006/main">
+  <p:cSld>
+    <p:spTree>
+      <p:nvGrpSpPr>
+        <p:cNvPr id="1" name=""/>
+        <p:cNvGrpSpPr/>
+        <p:nvPr/>
+      </p:nvGrpSpPr>
+      <p:grpSpPr>
+        <a:xfrm>
+          <a:off x="0" y="0"/>
+          <a:ext cx="0" cy="0"/>
+          <a:chOff x="0" y="0"/>
+          <a:chExt cx="0" cy="0"/>
+        </a:xfrm>
+      </p:grpSpPr>
+      <p:grpSp>
+        <p:nvGrpSpPr>
+          <p:cNvPr id="23" name="群組 22">
+            <a:extLst>
+              <a:ext uri="{FF2B5EF4-FFF2-40B4-BE49-F238E27FC236}">
+                <a16:creationId xmlns:a16="http://schemas.microsoft.com/office/drawing/2014/main" id="{869FBBD7-DF5A-95EB-ECB8-34C198CBEF3B}"/>
+              </a:ext>
+            </a:extLst>
+          </p:cNvPr>
+          <p:cNvGrpSpPr/>
+          <p:nvPr/>
+        </p:nvGrpSpPr>
+        <p:grpSpPr>
+          <a:xfrm>
+            <a:off x="2600438" y="964872"/>
+            <a:ext cx="6784153" cy="4492800"/>
+            <a:chOff x="2600438" y="964872"/>
+            <a:chExt cx="6784153" cy="4492800"/>
+          </a:xfrm>
+        </p:grpSpPr>
+        <p:pic>
+          <p:nvPicPr>
+            <p:cNvPr id="16" name="圖片 15">
+              <a:extLst>
+                <a:ext uri="{FF2B5EF4-FFF2-40B4-BE49-F238E27FC236}">
+                  <a16:creationId xmlns:a16="http://schemas.microsoft.com/office/drawing/2014/main" id="{C6098AF8-64DC-BF8D-8FC9-E08E71F48BBD}"/>
+                </a:ext>
+              </a:extLst>
+            </p:cNvPr>
+            <p:cNvPicPr>
+              <a:picLocks noChangeAspect="1"/>
+            </p:cNvPicPr>
+            <p:nvPr/>
+          </p:nvPicPr>
+          <p:blipFill>
+            <a:blip r:embed="rId2">
+              <a:extLst>
+                <a:ext uri="{28A0092B-C50C-407E-A947-70E740481C1C}">
+                  <a14:useLocalDpi xmlns:a14="http://schemas.microsoft.com/office/drawing/2010/main" val="0"/>
+                </a:ext>
+              </a:extLst>
+            </a:blip>
+            <a:stretch>
+              <a:fillRect/>
+            </a:stretch>
+          </p:blipFill>
+          <p:spPr>
+            <a:xfrm>
+              <a:off x="2613280" y="964872"/>
+              <a:ext cx="4492800" cy="4492800"/>
+            </a:xfrm>
+            <a:prstGeom prst="rect">
+              <a:avLst/>
+            </a:prstGeom>
+          </p:spPr>
+        </p:pic>
+        <p:grpSp>
+          <p:nvGrpSpPr>
+            <p:cNvPr id="6" name="群組 5">
+              <a:extLst>
+                <a:ext uri="{FF2B5EF4-FFF2-40B4-BE49-F238E27FC236}">
+                  <a16:creationId xmlns:a16="http://schemas.microsoft.com/office/drawing/2014/main" id="{D630A927-AD77-5F48-12E9-C4325A629B4E}"/>
+                </a:ext>
+              </a:extLst>
+            </p:cNvPr>
+            <p:cNvGrpSpPr/>
+            <p:nvPr/>
+          </p:nvGrpSpPr>
+          <p:grpSpPr>
+            <a:xfrm>
+              <a:off x="2600438" y="1239657"/>
+              <a:ext cx="6784153" cy="3974499"/>
+              <a:chOff x="2959316" y="834124"/>
+              <a:chExt cx="6837226" cy="3586289"/>
+            </a:xfrm>
+          </p:grpSpPr>
+          <p:grpSp>
+            <p:nvGrpSpPr>
+              <p:cNvPr id="7" name="群組 6">
+                <a:extLst>
+                  <a:ext uri="{FF2B5EF4-FFF2-40B4-BE49-F238E27FC236}">
+                    <a16:creationId xmlns:a16="http://schemas.microsoft.com/office/drawing/2014/main" id="{1BA44C9D-DF99-54C0-D4A4-F6D361A8FFE2}"/>
+                  </a:ext>
+                </a:extLst>
+              </p:cNvPr>
+              <p:cNvGrpSpPr/>
+              <p:nvPr/>
+            </p:nvGrpSpPr>
+            <p:grpSpPr>
+              <a:xfrm>
+                <a:off x="2959316" y="834124"/>
+                <a:ext cx="4818692" cy="3586289"/>
+                <a:chOff x="2929819" y="834124"/>
+                <a:chExt cx="4818692" cy="3586289"/>
+              </a:xfrm>
+            </p:grpSpPr>
+            <p:grpSp>
+              <p:nvGrpSpPr>
+                <p:cNvPr id="9" name="群組 8">
+                  <a:extLst>
+                    <a:ext uri="{FF2B5EF4-FFF2-40B4-BE49-F238E27FC236}">
+                      <a16:creationId xmlns:a16="http://schemas.microsoft.com/office/drawing/2014/main" id="{851AF3D6-691E-42EC-8884-6DC4998809E2}"/>
+                    </a:ext>
+                  </a:extLst>
+                </p:cNvPr>
+                <p:cNvGrpSpPr/>
+                <p:nvPr/>
+              </p:nvGrpSpPr>
+              <p:grpSpPr>
+                <a:xfrm>
+                  <a:off x="2929819" y="834124"/>
+                  <a:ext cx="4818692" cy="3586289"/>
+                  <a:chOff x="2942796" y="834124"/>
+                  <a:chExt cx="4963825" cy="3586289"/>
+                </a:xfrm>
+              </p:grpSpPr>
+              <p:sp>
+                <p:nvSpPr>
+                  <p:cNvPr id="12" name="文字方塊 11">
+                    <a:extLst>
+                      <a:ext uri="{FF2B5EF4-FFF2-40B4-BE49-F238E27FC236}">
+                        <a16:creationId xmlns:a16="http://schemas.microsoft.com/office/drawing/2014/main" id="{1B583D21-C630-A120-4B93-F8365D47827C}"/>
+                      </a:ext>
+                    </a:extLst>
+                  </p:cNvPr>
+                  <p:cNvSpPr txBox="1"/>
+                  <p:nvPr/>
+                </p:nvSpPr>
+                <p:spPr>
+                  <a:xfrm>
+                    <a:off x="2942796" y="834124"/>
+                    <a:ext cx="2420848" cy="472114"/>
+                  </a:xfrm>
+                  <a:prstGeom prst="rect">
+                    <a:avLst/>
+                  </a:prstGeom>
+                  <a:noFill/>
+                </p:spPr>
+                <p:txBody>
+                  <a:bodyPr wrap="square" rtlCol="0">
+                    <a:spAutoFit/>
+                  </a:bodyPr>
+                  <a:lstStyle/>
+                  <a:p>
+                    <a:r>
+                      <a:rPr lang="zh-TW" altLang="en-US" sz="2800" b="1" dirty="0">
+                        <a:solidFill>
+                          <a:srgbClr val="E8F30D"/>
+                        </a:solidFill>
+                        <a:latin typeface="標楷體" panose="03000509000000000000" pitchFamily="65" charset="-120"/>
+                        <a:ea typeface="標楷體" panose="03000509000000000000" pitchFamily="65" charset="-120"/>
+                      </a:rPr>
+                      <a:t>單簧管</a:t>
+                    </a:r>
+                    <a:r>
+                      <a:rPr lang="en-US" altLang="zh-TW" sz="2800" b="1" dirty="0">
+                        <a:solidFill>
+                          <a:srgbClr val="E8F30D"/>
+                        </a:solidFill>
+                        <a:latin typeface="French Script MT" panose="03020402040607040605" pitchFamily="66" charset="0"/>
+                      </a:rPr>
+                      <a:t>(</a:t>
+                    </a:r>
+                    <a:r>
+                      <a:rPr lang="en-US" altLang="zh-TW" sz="2800" b="1" dirty="0" err="1">
+                        <a:solidFill>
+                          <a:srgbClr val="E8F30D"/>
+                        </a:solidFill>
+                        <a:latin typeface="French Script MT" panose="03020402040607040605" pitchFamily="66" charset="0"/>
+                      </a:rPr>
+                      <a:t>Glarinet</a:t>
+                    </a:r>
+                    <a:r>
+                      <a:rPr lang="en-US" altLang="zh-TW" sz="2800" b="1" dirty="0">
+                        <a:solidFill>
+                          <a:srgbClr val="E8F30D"/>
+                        </a:solidFill>
+                        <a:latin typeface="French Script MT" panose="03020402040607040605" pitchFamily="66" charset="0"/>
+                      </a:rPr>
+                      <a:t>)</a:t>
+                    </a:r>
+                    <a:endParaRPr lang="zh-TW" altLang="en-US" sz="2800" b="1" dirty="0">
+                      <a:solidFill>
+                        <a:srgbClr val="E8F30D"/>
+                      </a:solidFill>
+                      <a:latin typeface="French Script MT" panose="03020402040607040605" pitchFamily="66" charset="0"/>
+                    </a:endParaRPr>
+                  </a:p>
+                </p:txBody>
+              </p:sp>
+              <p:sp>
+                <p:nvSpPr>
+                  <p:cNvPr id="13" name="文字方塊 12">
+                    <a:extLst>
+                      <a:ext uri="{FF2B5EF4-FFF2-40B4-BE49-F238E27FC236}">
+                        <a16:creationId xmlns:a16="http://schemas.microsoft.com/office/drawing/2014/main" id="{6A9E9949-ED00-ED01-DAE6-A897C5AD91D5}"/>
+                      </a:ext>
+                    </a:extLst>
+                  </p:cNvPr>
+                  <p:cNvSpPr txBox="1"/>
+                  <p:nvPr/>
+                </p:nvSpPr>
+                <p:spPr>
+                  <a:xfrm>
+                    <a:off x="5000636" y="3004070"/>
+                    <a:ext cx="2905985" cy="1416343"/>
+                  </a:xfrm>
+                  <a:prstGeom prst="rect">
+                    <a:avLst/>
+                  </a:prstGeom>
+                  <a:noFill/>
+                </p:spPr>
+                <p:txBody>
+                  <a:bodyPr wrap="square" rtlCol="0">
+                    <a:spAutoFit/>
+                  </a:bodyPr>
+                  <a:lstStyle/>
+                  <a:p>
+                    <a:r>
+                      <a:rPr lang="zh-TW" altLang="en-US" sz="2400" b="1" dirty="0">
+                        <a:solidFill>
+                          <a:srgbClr val="0070C0"/>
+                        </a:solidFill>
+                        <a:latin typeface="標楷體" panose="03000509000000000000" pitchFamily="65" charset="-120"/>
+                        <a:ea typeface="標楷體" panose="03000509000000000000" pitchFamily="65" charset="-120"/>
+                      </a:rPr>
+                      <a:t>按鍵</a:t>
+                    </a:r>
+                    <a:endParaRPr lang="en-US" altLang="zh-TW" sz="2400" b="1" dirty="0">
+                      <a:solidFill>
+                        <a:srgbClr val="0070C0"/>
+                      </a:solidFill>
+                      <a:latin typeface="標楷體" panose="03000509000000000000" pitchFamily="65" charset="-120"/>
+                      <a:ea typeface="標楷體" panose="03000509000000000000" pitchFamily="65" charset="-120"/>
+                    </a:endParaRPr>
+                  </a:p>
+                  <a:p>
+                    <a:r>
+                      <a:rPr lang="zh-TW" altLang="en-US" dirty="0">
+                        <a:latin typeface="標楷體" panose="03000509000000000000" pitchFamily="65" charset="-120"/>
+                        <a:ea typeface="標楷體" panose="03000509000000000000" pitchFamily="65" charset="-120"/>
+                      </a:rPr>
+                      <a:t>用以遮覆開在管身上的音孔，有些地方的構造是連棟的，只要按壓一個鍵就能同時帶動其他地方</a:t>
+                    </a:r>
+                    <a:endParaRPr lang="en-US" altLang="zh-TW" dirty="0">
+                      <a:latin typeface="標楷體" panose="03000509000000000000" pitchFamily="65" charset="-120"/>
+                      <a:ea typeface="標楷體" panose="03000509000000000000" pitchFamily="65" charset="-120"/>
+                    </a:endParaRPr>
+                  </a:p>
+                </p:txBody>
+              </p:sp>
+              <p:sp>
+                <p:nvSpPr>
+                  <p:cNvPr id="14" name="文字方塊 13">
+                    <a:extLst>
+                      <a:ext uri="{FF2B5EF4-FFF2-40B4-BE49-F238E27FC236}">
+                        <a16:creationId xmlns:a16="http://schemas.microsoft.com/office/drawing/2014/main" id="{EF49F2F4-40A3-FB20-3435-0AC9EDCA356C}"/>
+                      </a:ext>
+                    </a:extLst>
+                  </p:cNvPr>
+                  <p:cNvSpPr txBox="1"/>
+                  <p:nvPr/>
+                </p:nvSpPr>
+                <p:spPr>
+                  <a:xfrm>
+                    <a:off x="3461238" y="1218564"/>
+                    <a:ext cx="2148297" cy="1416343"/>
+                  </a:xfrm>
+                  <a:prstGeom prst="rect">
+                    <a:avLst/>
+                  </a:prstGeom>
+                  <a:noFill/>
+                </p:spPr>
+                <p:txBody>
+                  <a:bodyPr wrap="square" rtlCol="0">
+                    <a:spAutoFit/>
+                  </a:bodyPr>
+                  <a:lstStyle/>
+                  <a:p>
+                    <a:r>
+                      <a:rPr lang="zh-TW" altLang="en-US" sz="2400" b="1" dirty="0">
+                        <a:solidFill>
+                          <a:srgbClr val="0070C0"/>
+                        </a:solidFill>
+                        <a:latin typeface="標楷體" panose="03000509000000000000" pitchFamily="65" charset="-120"/>
+                        <a:ea typeface="標楷體" panose="03000509000000000000" pitchFamily="65" charset="-120"/>
+                      </a:rPr>
+                      <a:t>吹嘴</a:t>
+                    </a:r>
+                  </a:p>
+                  <a:p>
+                    <a:r>
+                      <a:rPr lang="zh-TW" altLang="en-US" dirty="0">
+                        <a:latin typeface="標楷體" panose="03000509000000000000" pitchFamily="65" charset="-120"/>
+                        <a:ea typeface="標楷體" panose="03000509000000000000" pitchFamily="65" charset="-120"/>
+                      </a:rPr>
+                      <a:t>加了植物蘆葦製成的板子</a:t>
+                    </a:r>
+                    <a:r>
+                      <a:rPr lang="en-US" altLang="zh-TW" dirty="0">
+                        <a:latin typeface="標楷體" panose="03000509000000000000" pitchFamily="65" charset="-120"/>
+                        <a:ea typeface="標楷體" panose="03000509000000000000" pitchFamily="65" charset="-120"/>
+                      </a:rPr>
+                      <a:t>(</a:t>
+                    </a:r>
+                    <a:r>
+                      <a:rPr lang="zh-TW" altLang="en-US" dirty="0">
+                        <a:latin typeface="標楷體" panose="03000509000000000000" pitchFamily="65" charset="-120"/>
+                        <a:ea typeface="標楷體" panose="03000509000000000000" pitchFamily="65" charset="-120"/>
+                      </a:rPr>
+                      <a:t>簧片</a:t>
+                    </a:r>
+                    <a:r>
+                      <a:rPr lang="en-US" altLang="zh-TW" dirty="0">
+                        <a:latin typeface="標楷體" panose="03000509000000000000" pitchFamily="65" charset="-120"/>
+                        <a:ea typeface="標楷體" panose="03000509000000000000" pitchFamily="65" charset="-120"/>
+                      </a:rPr>
+                      <a:t>)</a:t>
+                    </a:r>
+                    <a:r>
+                      <a:rPr lang="zh-TW" altLang="en-US" dirty="0">
+                        <a:latin typeface="標楷體" panose="03000509000000000000" pitchFamily="65" charset="-120"/>
+                        <a:ea typeface="標楷體" panose="03000509000000000000" pitchFamily="65" charset="-120"/>
+                      </a:rPr>
+                      <a:t>，往內吹氣使之振動來發聲</a:t>
+                    </a:r>
+                    <a:endParaRPr lang="en-US" altLang="zh-TW" dirty="0">
+                      <a:latin typeface="標楷體" panose="03000509000000000000" pitchFamily="65" charset="-120"/>
+                      <a:ea typeface="標楷體" panose="03000509000000000000" pitchFamily="65" charset="-120"/>
+                    </a:endParaRPr>
+                  </a:p>
+                </p:txBody>
+              </p:sp>
+            </p:grpSp>
+            <p:cxnSp>
+              <p:nvCxnSpPr>
+                <p:cNvPr id="10" name="直線單箭頭接點 9">
+                  <a:extLst>
+                    <a:ext uri="{FF2B5EF4-FFF2-40B4-BE49-F238E27FC236}">
+                      <a16:creationId xmlns:a16="http://schemas.microsoft.com/office/drawing/2014/main" id="{4975DE0C-50F9-23F6-2C10-47844C41F497}"/>
+                    </a:ext>
+                  </a:extLst>
+                </p:cNvPr>
+                <p:cNvCxnSpPr>
+                  <a:cxnSpLocks/>
+                </p:cNvCxnSpPr>
+                <p:nvPr/>
+              </p:nvCxnSpPr>
+              <p:spPr>
+                <a:xfrm flipH="1" flipV="1">
+                  <a:off x="5279886" y="2723676"/>
+                  <a:ext cx="475120" cy="440122"/>
+                </a:xfrm>
+                <a:prstGeom prst="straightConnector1">
+                  <a:avLst/>
+                </a:prstGeom>
+                <a:ln>
+                  <a:tailEnd type="triangle"/>
+                </a:ln>
+              </p:spPr>
+              <p:style>
+                <a:lnRef idx="3">
+                  <a:schemeClr val="accent6"/>
+                </a:lnRef>
+                <a:fillRef idx="0">
+                  <a:schemeClr val="accent6"/>
+                </a:fillRef>
+                <a:effectRef idx="2">
+                  <a:schemeClr val="accent6"/>
+                </a:effectRef>
+                <a:fontRef idx="minor">
+                  <a:schemeClr val="tx1"/>
+                </a:fontRef>
+              </p:style>
+            </p:cxnSp>
+            <p:cxnSp>
+              <p:nvCxnSpPr>
+                <p:cNvPr id="11" name="直線單箭頭接點 10">
+                  <a:extLst>
+                    <a:ext uri="{FF2B5EF4-FFF2-40B4-BE49-F238E27FC236}">
+                      <a16:creationId xmlns:a16="http://schemas.microsoft.com/office/drawing/2014/main" id="{4CC3DA7C-A9F4-0F07-11C7-8129053D9D26}"/>
+                    </a:ext>
+                  </a:extLst>
+                </p:cNvPr>
+                <p:cNvCxnSpPr>
+                  <a:cxnSpLocks/>
+                </p:cNvCxnSpPr>
+                <p:nvPr/>
+              </p:nvCxnSpPr>
+              <p:spPr>
+                <a:xfrm flipV="1">
+                  <a:off x="5334394" y="899857"/>
+                  <a:ext cx="1943891" cy="609949"/>
+                </a:xfrm>
+                <a:prstGeom prst="straightConnector1">
+                  <a:avLst/>
+                </a:prstGeom>
+                <a:ln>
+                  <a:tailEnd type="triangle"/>
+                </a:ln>
+              </p:spPr>
+              <p:style>
+                <a:lnRef idx="3">
+                  <a:schemeClr val="accent6"/>
+                </a:lnRef>
+                <a:fillRef idx="0">
+                  <a:schemeClr val="accent6"/>
+                </a:fillRef>
+                <a:effectRef idx="2">
+                  <a:schemeClr val="accent6"/>
+                </a:effectRef>
+                <a:fontRef idx="minor">
+                  <a:schemeClr val="tx1"/>
+                </a:fontRef>
+              </p:style>
+            </p:cxnSp>
+          </p:grpSp>
+          <p:sp>
+            <p:nvSpPr>
+              <p:cNvPr id="8" name="文字方塊 7">
+                <a:extLst>
+                  <a:ext uri="{FF2B5EF4-FFF2-40B4-BE49-F238E27FC236}">
+                    <a16:creationId xmlns:a16="http://schemas.microsoft.com/office/drawing/2014/main" id="{A36F86CE-C47D-207E-6C32-A103D31006BE}"/>
+                  </a:ext>
+                </a:extLst>
+              </p:cNvPr>
+              <p:cNvSpPr txBox="1"/>
+              <p:nvPr/>
+            </p:nvSpPr>
+            <p:spPr>
+              <a:xfrm>
+                <a:off x="6596951" y="1584587"/>
+                <a:ext cx="3199591" cy="1749600"/>
+              </a:xfrm>
+              <a:prstGeom prst="rect">
+                <a:avLst/>
+              </a:prstGeom>
+              <a:noFill/>
+            </p:spPr>
+            <p:txBody>
+              <a:bodyPr wrap="square" rtlCol="0">
+                <a:spAutoFit/>
+              </a:bodyPr>
+              <a:lstStyle/>
+              <a:p>
+                <a:r>
+                  <a:rPr lang="zh-TW" altLang="en-US" sz="2400" b="1" dirty="0">
+                    <a:solidFill>
+                      <a:srgbClr val="CC0000"/>
+                    </a:solidFill>
+                    <a:latin typeface="標楷體" panose="03000509000000000000" pitchFamily="65" charset="-120"/>
+                    <a:ea typeface="標楷體" panose="03000509000000000000" pitchFamily="65" charset="-120"/>
+                  </a:rPr>
+                  <a:t>從高音到低音，不但音域很廣，連音色也很豐富，因此大多用來吹奏主旋律，管體為木製</a:t>
+                </a:r>
+                <a:endParaRPr lang="zh-TW" altLang="en-US" dirty="0">
+                  <a:solidFill>
+                    <a:srgbClr val="CC0000"/>
+                  </a:solidFill>
+                  <a:latin typeface="標楷體" panose="03000509000000000000" pitchFamily="65" charset="-120"/>
+                  <a:ea typeface="標楷體" panose="03000509000000000000" pitchFamily="65" charset="-120"/>
+                </a:endParaRPr>
+              </a:p>
+            </p:txBody>
+          </p:sp>
+        </p:grpSp>
+      </p:grpSp>
+    </p:spTree>
+    <p:extLst>
+      <p:ext uri="{BB962C8B-B14F-4D97-AF65-F5344CB8AC3E}">
+        <p14:creationId xmlns:p14="http://schemas.microsoft.com/office/powerpoint/2010/main" val="979188475"/>
+      </p:ext>
+    </p:extLst>
+  </p:cSld>
+  <p:clrMapOvr>
+    <a:masterClrMapping/>
+  </p:clrMapOvr>
+</p:sld>
+</file>
+
 <file path=ppt/theme/theme1.xml><?xml version="1.0" encoding="utf-8"?>
 <a:theme xmlns:a="http://schemas.openxmlformats.org/drawingml/2006/main" name="Office 佈景主題">
   <a:themeElements>
@@ -5489,6 +6440,12 @@
 </file>
 
 <file path=customXml/item1.xml><?xml version="1.0" encoding="utf-8"?>
+<p:properties xmlns:p="http://schemas.microsoft.com/office/2006/metadata/properties" xmlns:xsi="http://www.w3.org/2001/XMLSchema-instance" xmlns:pc="http://schemas.microsoft.com/office/infopath/2007/PartnerControls">
+  <documentManagement/>
+</p:properties>
+</file>
+
+<file path=customXml/item2.xml><?xml version="1.0" encoding="utf-8"?>
 <ct:contentTypeSchema xmlns:ct="http://schemas.microsoft.com/office/2006/metadata/contentType" xmlns:ma="http://schemas.microsoft.com/office/2006/metadata/properties/metaAttributes" ct:_="" ma:_="" ma:contentTypeName="Document" ma:contentTypeID="0x0101007E632BFCFBECC941B9732232E3B030EC" ma:contentTypeVersion="10" ma:contentTypeDescription="Create a new document." ma:contentTypeScope="" ma:versionID="c9ebf926e3f2a0881c075d8077689776">
   <xsd:schema xmlns:xsd="http://www.w3.org/2001/XMLSchema" xmlns:xs="http://www.w3.org/2001/XMLSchema" xmlns:p="http://schemas.microsoft.com/office/2006/metadata/properties" xmlns:ns3="47d680f3-7eb5-4975-8142-176dc3e47e21" xmlns:ns4="6e361d9f-ac87-46ff-b584-f411ac9c9a8f" targetNamespace="http://schemas.microsoft.com/office/2006/metadata/properties" ma:root="true" ma:fieldsID="dc460f0616c9005e11e8a2d00b1e0558" ns3:_="" ns4:_="">
     <xsd:import namespace="47d680f3-7eb5-4975-8142-176dc3e47e21"/>
@@ -5691,12 +6648,6 @@
 </ct:contentTypeSchema>
 </file>
 
-<file path=customXml/item2.xml><?xml version="1.0" encoding="utf-8"?>
-<p:properties xmlns:p="http://schemas.microsoft.com/office/2006/metadata/properties" xmlns:xsi="http://www.w3.org/2001/XMLSchema-instance" xmlns:pc="http://schemas.microsoft.com/office/infopath/2007/PartnerControls">
-  <documentManagement/>
-</p:properties>
-</file>
-
 <file path=customXml/item3.xml><?xml version="1.0" encoding="utf-8"?>
 <?mso-contentType ?>
 <FormTemplates xmlns="http://schemas.microsoft.com/sharepoint/v3/contenttype/forms">
@@ -5707,6 +6658,23 @@
 </file>
 
 <file path=customXml/itemProps1.xml><?xml version="1.0" encoding="utf-8"?>
+<ds:datastoreItem xmlns:ds="http://schemas.openxmlformats.org/officeDocument/2006/customXml" ds:itemID="{4CD952F3-91B1-48BE-9DD0-4F1340C63025}">
+  <ds:schemaRefs>
+    <ds:schemaRef ds:uri="47d680f3-7eb5-4975-8142-176dc3e47e21"/>
+    <ds:schemaRef ds:uri="http://schemas.microsoft.com/office/2006/documentManagement/types"/>
+    <ds:schemaRef ds:uri="http://schemas.microsoft.com/office/infopath/2007/PartnerControls"/>
+    <ds:schemaRef ds:uri="http://purl.org/dc/elements/1.1/"/>
+    <ds:schemaRef ds:uri="http://schemas.microsoft.com/office/2006/metadata/properties"/>
+    <ds:schemaRef ds:uri="6e361d9f-ac87-46ff-b584-f411ac9c9a8f"/>
+    <ds:schemaRef ds:uri="http://purl.org/dc/terms/"/>
+    <ds:schemaRef ds:uri="http://schemas.openxmlformats.org/package/2006/metadata/core-properties"/>
+    <ds:schemaRef ds:uri="http://www.w3.org/XML/1998/namespace"/>
+    <ds:schemaRef ds:uri="http://purl.org/dc/dcmitype/"/>
+  </ds:schemaRefs>
+</ds:datastoreItem>
+</file>
+
+<file path=customXml/itemProps2.xml><?xml version="1.0" encoding="utf-8"?>
 <ds:datastoreItem xmlns:ds="http://schemas.openxmlformats.org/officeDocument/2006/customXml" ds:itemID="{CA810775-C68F-4347-9F41-542A2BA94793}">
   <ds:schemaRefs>
     <ds:schemaRef ds:uri="http://schemas.microsoft.com/office/2006/metadata/contentType"/>
@@ -5725,23 +6693,6 @@
 </ds:datastoreItem>
 </file>
 
-<file path=customXml/itemProps2.xml><?xml version="1.0" encoding="utf-8"?>
-<ds:datastoreItem xmlns:ds="http://schemas.openxmlformats.org/officeDocument/2006/customXml" ds:itemID="{4CD952F3-91B1-48BE-9DD0-4F1340C63025}">
-  <ds:schemaRefs>
-    <ds:schemaRef ds:uri="47d680f3-7eb5-4975-8142-176dc3e47e21"/>
-    <ds:schemaRef ds:uri="http://schemas.microsoft.com/office/2006/documentManagement/types"/>
-    <ds:schemaRef ds:uri="http://schemas.microsoft.com/office/infopath/2007/PartnerControls"/>
-    <ds:schemaRef ds:uri="http://purl.org/dc/elements/1.1/"/>
-    <ds:schemaRef ds:uri="http://schemas.microsoft.com/office/2006/metadata/properties"/>
-    <ds:schemaRef ds:uri="6e361d9f-ac87-46ff-b584-f411ac9c9a8f"/>
-    <ds:schemaRef ds:uri="http://purl.org/dc/terms/"/>
-    <ds:schemaRef ds:uri="http://schemas.openxmlformats.org/package/2006/metadata/core-properties"/>
-    <ds:schemaRef ds:uri="http://www.w3.org/XML/1998/namespace"/>
-    <ds:schemaRef ds:uri="http://purl.org/dc/dcmitype/"/>
-  </ds:schemaRefs>
-</ds:datastoreItem>
-</file>
-
 <file path=customXml/itemProps3.xml><?xml version="1.0" encoding="utf-8"?>
 <ds:datastoreItem xmlns:ds="http://schemas.openxmlformats.org/officeDocument/2006/customXml" ds:itemID="{5D71C7E1-27E2-404F-9C00-BE77765DE307}">
   <ds:schemaRefs>
